--- a/Restaurant-Recommendation-Yelp.pptx
+++ b/Restaurant-Recommendation-Yelp.pptx
@@ -841,7 +841,7 @@
           </a:ln>
           <a:extLst>
             <a:ext uri="{C572A759-6A51-4108-AA02-DFA0A04FC94B}">
-              <ma14:wrappingTextBoxFlag xmlns="" xmlns:m="http://schemas.openxmlformats.org/officeDocument/2006/math" xmlns:a14="http://schemas.microsoft.com/office/drawing/2010/main" xmlns:ma14="http://schemas.microsoft.com/office/mac/drawingml/2011/main" val="1"/>
+              <ma14:wrappingTextBoxFlag xmlns:ma14="http://schemas.microsoft.com/office/mac/drawingml/2011/main" xmlns:a14="http://schemas.microsoft.com/office/drawing/2010/main" xmlns:m="http://schemas.openxmlformats.org/officeDocument/2006/math" xmlns="" val="1"/>
             </a:ext>
           </a:extLst>
         </p:spPr>
@@ -880,7 +880,7 @@
           </a:ln>
           <a:extLst>
             <a:ext uri="{C572A759-6A51-4108-AA02-DFA0A04FC94B}">
-              <ma14:wrappingTextBoxFlag xmlns="" xmlns:m="http://schemas.openxmlformats.org/officeDocument/2006/math" xmlns:a14="http://schemas.microsoft.com/office/drawing/2010/main" xmlns:ma14="http://schemas.microsoft.com/office/mac/drawingml/2011/main" val="1"/>
+              <ma14:wrappingTextBoxFlag xmlns:ma14="http://schemas.microsoft.com/office/mac/drawingml/2011/main" xmlns:a14="http://schemas.microsoft.com/office/drawing/2010/main" xmlns:m="http://schemas.openxmlformats.org/officeDocument/2006/math" xmlns="" val="1"/>
             </a:ext>
           </a:extLst>
         </p:spPr>
@@ -1000,7 +1000,7 @@
             <a:effectLst/>
             <a:extLst>
               <a:ext uri="{C572A759-6A51-4108-AA02-DFA0A04FC94B}">
-                <ma14:wrappingTextBoxFlag xmlns="" xmlns:m="http://schemas.openxmlformats.org/officeDocument/2006/math" xmlns:a14="http://schemas.microsoft.com/office/drawing/2010/main" xmlns:ma14="http://schemas.microsoft.com/office/mac/drawingml/2011/main" val="1"/>
+                <ma14:wrappingTextBoxFlag xmlns:ma14="http://schemas.microsoft.com/office/mac/drawingml/2011/main" xmlns:a14="http://schemas.microsoft.com/office/drawing/2010/main" xmlns:m="http://schemas.openxmlformats.org/officeDocument/2006/math" xmlns="" val="1"/>
               </a:ext>
             </a:extLst>
           </p:spPr>
@@ -1057,7 +1057,7 @@
             <a:effectLst/>
             <a:extLst>
               <a:ext uri="{C572A759-6A51-4108-AA02-DFA0A04FC94B}">
-                <ma14:wrappingTextBoxFlag xmlns="" xmlns:m="http://schemas.openxmlformats.org/officeDocument/2006/math" xmlns:a14="http://schemas.microsoft.com/office/drawing/2010/main" xmlns:ma14="http://schemas.microsoft.com/office/mac/drawingml/2011/main" val="1"/>
+                <ma14:wrappingTextBoxFlag xmlns:ma14="http://schemas.microsoft.com/office/mac/drawingml/2011/main" xmlns:a14="http://schemas.microsoft.com/office/drawing/2010/main" xmlns:m="http://schemas.openxmlformats.org/officeDocument/2006/math" xmlns="" val="1"/>
               </a:ext>
             </a:extLst>
           </p:spPr>
@@ -1940,7 +1940,7 @@
           </a:prstGeom>
           <a:extLst>
             <a:ext uri="{C572A759-6A51-4108-AA02-DFA0A04FC94B}">
-              <ma14:wrappingTextBoxFlag xmlns="" xmlns:m="http://schemas.openxmlformats.org/officeDocument/2006/math" xmlns:a14="http://schemas.microsoft.com/office/drawing/2010/main" xmlns:ma14="http://schemas.microsoft.com/office/mac/drawingml/2011/main" val="1"/>
+              <ma14:wrappingTextBoxFlag xmlns:ma14="http://schemas.microsoft.com/office/mac/drawingml/2011/main" xmlns:a14="http://schemas.microsoft.com/office/drawing/2010/main" xmlns:m="http://schemas.openxmlformats.org/officeDocument/2006/math" xmlns="" val="1"/>
             </a:ext>
           </a:extLst>
         </p:spPr>
@@ -2272,7 +2272,7 @@
           </a:prstGeom>
           <a:extLst>
             <a:ext uri="{C572A759-6A51-4108-AA02-DFA0A04FC94B}">
-              <ma14:wrappingTextBoxFlag xmlns="" xmlns:m="http://schemas.openxmlformats.org/officeDocument/2006/math" xmlns:a14="http://schemas.microsoft.com/office/drawing/2010/main" xmlns:ma14="http://schemas.microsoft.com/office/mac/drawingml/2011/main" val="1"/>
+              <ma14:wrappingTextBoxFlag xmlns:ma14="http://schemas.microsoft.com/office/mac/drawingml/2011/main" xmlns:a14="http://schemas.microsoft.com/office/drawing/2010/main" xmlns:m="http://schemas.openxmlformats.org/officeDocument/2006/math" xmlns="" val="1"/>
             </a:ext>
           </a:extLst>
         </p:spPr>
@@ -2573,7 +2573,7 @@
           </a:prstGeom>
           <a:extLst>
             <a:ext uri="{C572A759-6A51-4108-AA02-DFA0A04FC94B}">
-              <ma14:wrappingTextBoxFlag xmlns="" xmlns:m="http://schemas.openxmlformats.org/officeDocument/2006/math" xmlns:a14="http://schemas.microsoft.com/office/drawing/2010/main" xmlns:ma14="http://schemas.microsoft.com/office/mac/drawingml/2011/main" val="1"/>
+              <ma14:wrappingTextBoxFlag xmlns:ma14="http://schemas.microsoft.com/office/mac/drawingml/2011/main" xmlns:a14="http://schemas.microsoft.com/office/drawing/2010/main" xmlns:m="http://schemas.openxmlformats.org/officeDocument/2006/math" xmlns="" val="1"/>
             </a:ext>
           </a:extLst>
         </p:spPr>
@@ -2770,7 +2770,7 @@
           </a:prstGeom>
           <a:extLst>
             <a:ext uri="{C572A759-6A51-4108-AA02-DFA0A04FC94B}">
-              <ma14:wrappingTextBoxFlag xmlns="" xmlns:m="http://schemas.openxmlformats.org/officeDocument/2006/math" xmlns:a14="http://schemas.microsoft.com/office/drawing/2010/main" xmlns:ma14="http://schemas.microsoft.com/office/mac/drawingml/2011/main" val="1"/>
+              <ma14:wrappingTextBoxFlag xmlns:ma14="http://schemas.microsoft.com/office/mac/drawingml/2011/main" xmlns:a14="http://schemas.microsoft.com/office/drawing/2010/main" xmlns:m="http://schemas.openxmlformats.org/officeDocument/2006/math" xmlns="" val="1"/>
             </a:ext>
           </a:extLst>
         </p:spPr>
@@ -3210,7 +3210,7 @@
           </a:prstGeom>
           <a:extLst>
             <a:ext uri="{C572A759-6A51-4108-AA02-DFA0A04FC94B}">
-              <ma14:wrappingTextBoxFlag xmlns="" xmlns:m="http://schemas.openxmlformats.org/officeDocument/2006/math" xmlns:a14="http://schemas.microsoft.com/office/drawing/2010/main" xmlns:ma14="http://schemas.microsoft.com/office/mac/drawingml/2011/main" val="1"/>
+              <ma14:wrappingTextBoxFlag xmlns:ma14="http://schemas.microsoft.com/office/mac/drawingml/2011/main" xmlns:a14="http://schemas.microsoft.com/office/drawing/2010/main" xmlns:m="http://schemas.openxmlformats.org/officeDocument/2006/math" xmlns="" val="1"/>
             </a:ext>
           </a:extLst>
         </p:spPr>
@@ -3349,8 +3349,9 @@
             </a:pPr>
             <a:r>
               <a:rPr dirty="0"/>
-              <a:t>What steps were taken to assess the ‘goodness’ of the analytic itself?         </a:t>
-            </a:r>
+              <a:t>What steps were taken to assess the ‘goodness’ of the analytic itself?   </a:t>
+            </a:r>
+            <a:endParaRPr lang="en-US" dirty="0"/>
           </a:p>
           <a:p>
             <a:pPr marL="0" indent="0">
@@ -3361,6 +3362,26 @@
               <a:buFont typeface="Wingdings"/>
               <a:buNone/>
               <a:defRPr sz="2000">
+                <a:latin typeface="Century"/>
+                <a:ea typeface="Century"/>
+                <a:cs typeface="Century"/>
+                <a:sym typeface="Century"/>
+              </a:defRPr>
+            </a:pPr>
+            <a:r>
+              <a:rPr dirty="0"/>
+              <a:t>      </a:t>
+            </a:r>
+          </a:p>
+          <a:p>
+            <a:pPr marL="0" indent="0">
+              <a:spcBef>
+                <a:spcPts val="400"/>
+              </a:spcBef>
+              <a:buSzTx/>
+              <a:buFont typeface="Wingdings"/>
+              <a:buNone/>
+              <a:defRPr sz="2000">
                 <a:solidFill>
                   <a:srgbClr val="FF0000"/>
                 </a:solidFill>
@@ -3371,12 +3392,39 @@
               </a:defRPr>
             </a:pPr>
             <a:r>
-              <a:rPr dirty="0">
+              <a:rPr lang="en-US" dirty="0">
                 <a:solidFill>
                   <a:schemeClr val="tx1"/>
                 </a:solidFill>
               </a:rPr>
-              <a:t>&lt; Short description of why you believe the results of your analytic are correct and can be trusted &gt; </a:t>
+              <a:t>We filtered out restaurants from all types of businesses in the dataset.</a:t>
+            </a:r>
+          </a:p>
+          <a:p>
+            <a:pPr marL="0" indent="0">
+              <a:spcBef>
+                <a:spcPts val="400"/>
+              </a:spcBef>
+              <a:buSzTx/>
+              <a:buFont typeface="Wingdings"/>
+              <a:buNone/>
+              <a:defRPr sz="2000">
+                <a:solidFill>
+                  <a:srgbClr val="FF0000"/>
+                </a:solidFill>
+                <a:latin typeface="Century"/>
+                <a:ea typeface="Century"/>
+                <a:cs typeface="Century"/>
+                <a:sym typeface="Century"/>
+              </a:defRPr>
+            </a:pPr>
+            <a:r>
+              <a:rPr lang="en-US" dirty="0">
+                <a:solidFill>
+                  <a:schemeClr val="tx1"/>
+                </a:solidFill>
+              </a:rPr>
+              <a:t>Researched about how collaborative filtering algorithm can be used for recommendations.</a:t>
             </a:r>
           </a:p>
         </p:txBody>
@@ -3427,7 +3475,7 @@
           </a:prstGeom>
           <a:extLst>
             <a:ext uri="{C572A759-6A51-4108-AA02-DFA0A04FC94B}">
-              <ma14:wrappingTextBoxFlag xmlns="" xmlns:m="http://schemas.openxmlformats.org/officeDocument/2006/math" xmlns:a14="http://schemas.microsoft.com/office/drawing/2010/main" xmlns:ma14="http://schemas.microsoft.com/office/mac/drawingml/2011/main" val="1"/>
+              <ma14:wrappingTextBoxFlag xmlns:ma14="http://schemas.microsoft.com/office/mac/drawingml/2011/main" xmlns:a14="http://schemas.microsoft.com/office/drawing/2010/main" xmlns:m="http://schemas.openxmlformats.org/officeDocument/2006/math" xmlns="" val="1"/>
             </a:ext>
           </a:extLst>
         </p:spPr>
@@ -3767,7 +3815,7 @@
           </a:prstGeom>
           <a:extLst>
             <a:ext uri="{C572A759-6A51-4108-AA02-DFA0A04FC94B}">
-              <ma14:wrappingTextBoxFlag xmlns="" xmlns:m="http://schemas.openxmlformats.org/officeDocument/2006/math" xmlns:a14="http://schemas.microsoft.com/office/drawing/2010/main" xmlns:ma14="http://schemas.microsoft.com/office/mac/drawingml/2011/main" val="1"/>
+              <ma14:wrappingTextBoxFlag xmlns:ma14="http://schemas.microsoft.com/office/mac/drawingml/2011/main" xmlns:a14="http://schemas.microsoft.com/office/drawing/2010/main" xmlns:m="http://schemas.openxmlformats.org/officeDocument/2006/math" xmlns="" val="1"/>
             </a:ext>
           </a:extLst>
         </p:spPr>
@@ -4272,7 +4320,7 @@
           </a:prstGeom>
           <a:extLst>
             <a:ext uri="{C572A759-6A51-4108-AA02-DFA0A04FC94B}">
-              <ma14:wrappingTextBoxFlag xmlns="" xmlns:m="http://schemas.openxmlformats.org/officeDocument/2006/math" xmlns:a14="http://schemas.microsoft.com/office/drawing/2010/main" xmlns:ma14="http://schemas.microsoft.com/office/mac/drawingml/2011/main" val="1"/>
+              <ma14:wrappingTextBoxFlag xmlns:ma14="http://schemas.microsoft.com/office/mac/drawingml/2011/main" xmlns:a14="http://schemas.microsoft.com/office/drawing/2010/main" xmlns:m="http://schemas.openxmlformats.org/officeDocument/2006/math" xmlns="" val="1"/>
             </a:ext>
           </a:extLst>
         </p:spPr>
@@ -4722,7 +4770,7 @@
           </a:prstGeom>
           <a:extLst>
             <a:ext uri="{C572A759-6A51-4108-AA02-DFA0A04FC94B}">
-              <ma14:wrappingTextBoxFlag xmlns="" xmlns:m="http://schemas.openxmlformats.org/officeDocument/2006/math" xmlns:a14="http://schemas.microsoft.com/office/drawing/2010/main" xmlns:ma14="http://schemas.microsoft.com/office/mac/drawingml/2011/main" val="1"/>
+              <ma14:wrappingTextBoxFlag xmlns:ma14="http://schemas.microsoft.com/office/mac/drawingml/2011/main" xmlns:a14="http://schemas.microsoft.com/office/drawing/2010/main" xmlns:m="http://schemas.openxmlformats.org/officeDocument/2006/math" xmlns="" val="1"/>
             </a:ext>
           </a:extLst>
         </p:spPr>
@@ -5055,7 +5103,7 @@
           </a:prstGeom>
           <a:extLst>
             <a:ext uri="{C572A759-6A51-4108-AA02-DFA0A04FC94B}">
-              <ma14:wrappingTextBoxFlag xmlns="" xmlns:m="http://schemas.openxmlformats.org/officeDocument/2006/math" xmlns:a14="http://schemas.microsoft.com/office/drawing/2010/main" xmlns:ma14="http://schemas.microsoft.com/office/mac/drawingml/2011/main" val="1"/>
+              <ma14:wrappingTextBoxFlag xmlns:ma14="http://schemas.microsoft.com/office/mac/drawingml/2011/main" xmlns:a14="http://schemas.microsoft.com/office/drawing/2010/main" xmlns:m="http://schemas.openxmlformats.org/officeDocument/2006/math" xmlns="" val="1"/>
             </a:ext>
           </a:extLst>
         </p:spPr>
@@ -5170,7 +5218,11 @@
               </a:defRPr>
             </a:pPr>
             <a:r>
-              <a:rPr dirty="0"/>
+              <a:rPr dirty="0">
+                <a:solidFill>
+                  <a:schemeClr val="tx1"/>
+                </a:solidFill>
+              </a:rPr>
               <a:t>Obstacles</a:t>
             </a:r>
           </a:p>
@@ -5186,7 +5238,11 @@
                 <a:sym typeface="Century"/>
               </a:defRPr>
             </a:pPr>
-            <a:endParaRPr dirty="0"/>
+            <a:endParaRPr dirty="0">
+              <a:solidFill>
+                <a:schemeClr val="tx1"/>
+              </a:solidFill>
+            </a:endParaRPr>
           </a:p>
           <a:p>
             <a:pPr marL="0" indent="0">
@@ -5204,57 +5260,21 @@
               </a:defRPr>
             </a:pPr>
             <a:r>
-              <a:rPr dirty="0"/>
+              <a:rPr dirty="0">
+                <a:solidFill>
+                  <a:schemeClr val="tx1"/>
+                </a:solidFill>
+              </a:rPr>
               <a:t>1. </a:t>
             </a:r>
             <a:r>
-              <a:rPr dirty="0">
-                <a:solidFill>
-                  <a:srgbClr val="FF0000"/>
+              <a:rPr lang="en-US" dirty="0">
+                <a:solidFill>
+                  <a:schemeClr val="tx1"/>
                 </a:solidFill>
               </a:rPr>
-              <a:t>&lt;Obstacle1&gt;</a:t>
-            </a:r>
-          </a:p>
-          <a:p>
-            <a:pPr marL="0" lvl="1" indent="400050">
-              <a:spcBef>
-                <a:spcPts val="300"/>
-              </a:spcBef>
-              <a:buSzTx/>
-              <a:buFont typeface="Wingdings"/>
-              <a:buNone/>
-              <a:defRPr sz="1600">
-                <a:solidFill>
-                  <a:srgbClr val="FF0000"/>
-                </a:solidFill>
-                <a:latin typeface="Century"/>
-                <a:ea typeface="Century"/>
-                <a:cs typeface="Century"/>
-                <a:sym typeface="Century"/>
-              </a:defRPr>
-            </a:pPr>
-            <a:r>
-              <a:rPr dirty="0"/>
-              <a:t>&lt; Tell us up to three obstacles you experienced in developing this application. &gt;</a:t>
-            </a:r>
-          </a:p>
-          <a:p>
-            <a:pPr marL="0" indent="0">
-              <a:buSzTx/>
-              <a:buFont typeface="Wingdings"/>
-              <a:buNone/>
-              <a:defRPr sz="2000">
-                <a:solidFill>
-                  <a:srgbClr val="00B0F0"/>
-                </a:solidFill>
-                <a:latin typeface="Century"/>
-                <a:ea typeface="Century"/>
-                <a:cs typeface="Century"/>
-                <a:sym typeface="Century"/>
-              </a:defRPr>
-            </a:pPr>
-            <a:endParaRPr dirty="0"/>
+              <a:t>Figuring out the design of how to connect the different parts of the application.</a:t>
+            </a:r>
           </a:p>
           <a:p>
             <a:pPr marL="0" indent="0">
@@ -5271,18 +5291,32 @@
                 <a:sym typeface="Century"/>
               </a:defRPr>
             </a:pPr>
-            <a:r>
-              <a:rPr dirty="0"/>
-              <a:t>2. </a:t>
-            </a:r>
-            <a:r>
-              <a:rPr dirty="0">
-                <a:solidFill>
-                  <a:srgbClr val="FF0000"/>
-                </a:solidFill>
-              </a:rPr>
-              <a:t>&lt;Obstacle 2&gt;</a:t>
-            </a:r>
+            <a:endParaRPr dirty="0">
+              <a:solidFill>
+                <a:schemeClr val="tx1"/>
+              </a:solidFill>
+            </a:endParaRPr>
+          </a:p>
+          <a:p>
+            <a:pPr marL="0" indent="0">
+              <a:buSzTx/>
+              <a:buFont typeface="Wingdings"/>
+              <a:buNone/>
+              <a:defRPr sz="2000">
+                <a:solidFill>
+                  <a:srgbClr val="00B0F0"/>
+                </a:solidFill>
+                <a:latin typeface="Century"/>
+                <a:ea typeface="Century"/>
+                <a:cs typeface="Century"/>
+                <a:sym typeface="Century"/>
+              </a:defRPr>
+            </a:pPr>
+            <a:endParaRPr dirty="0">
+              <a:solidFill>
+                <a:schemeClr val="tx1"/>
+              </a:solidFill>
+            </a:endParaRPr>
           </a:p>
           <a:p>
             <a:pPr marL="0" indent="0">
@@ -5299,9 +5333,25 @@
                 <a:sym typeface="Century"/>
               </a:defRPr>
             </a:pPr>
+            <a:r>
+              <a:rPr dirty="0">
+                <a:solidFill>
+                  <a:schemeClr val="tx1"/>
+                </a:solidFill>
+              </a:rPr>
+              <a:t>2. </a:t>
+            </a:r>
+            <a:r>
+              <a:rPr lang="en-US" dirty="0">
+                <a:solidFill>
+                  <a:schemeClr val="tx1"/>
+                </a:solidFill>
+              </a:rPr>
+              <a:t>Extracting useful information from the dataset for the scope of the project.</a:t>
+            </a:r>
             <a:endParaRPr dirty="0">
               <a:solidFill>
-                <a:srgbClr val="FF0000"/>
+                <a:schemeClr val="tx1"/>
               </a:solidFill>
             </a:endParaRPr>
           </a:p>
@@ -5320,18 +5370,112 @@
                 <a:sym typeface="Century"/>
               </a:defRPr>
             </a:pPr>
-            <a:r>
-              <a:rPr dirty="0"/>
+            <a:endParaRPr dirty="0">
+              <a:solidFill>
+                <a:schemeClr val="tx1"/>
+              </a:solidFill>
+            </a:endParaRPr>
+          </a:p>
+          <a:p>
+            <a:pPr marL="0" indent="0">
+              <a:spcBef>
+                <a:spcPts val="400"/>
+              </a:spcBef>
+              <a:buSzTx/>
+              <a:buFont typeface="Wingdings"/>
+              <a:buNone/>
+              <a:defRPr sz="2000">
+                <a:latin typeface="Century"/>
+                <a:ea typeface="Century"/>
+                <a:cs typeface="Century"/>
+                <a:sym typeface="Century"/>
+              </a:defRPr>
+            </a:pPr>
+            <a:r>
+              <a:rPr dirty="0">
+                <a:solidFill>
+                  <a:schemeClr val="tx1"/>
+                </a:solidFill>
+              </a:rPr>
               <a:t>3. </a:t>
             </a:r>
             <a:r>
-              <a:rPr dirty="0">
-                <a:solidFill>
-                  <a:srgbClr val="FF0000"/>
+              <a:rPr lang="en-US" dirty="0">
+                <a:solidFill>
+                  <a:schemeClr val="tx1"/>
                 </a:solidFill>
               </a:rPr>
-              <a:t>&lt;Obstacle 3&gt;</a:t>
-            </a:r>
+              <a:t>Some </a:t>
+            </a:r>
+            <a:r>
+              <a:rPr lang="en-US" dirty="0" err="1">
+                <a:solidFill>
+                  <a:schemeClr val="tx1"/>
+                </a:solidFill>
+              </a:rPr>
+              <a:t>scala</a:t>
+            </a:r>
+            <a:r>
+              <a:rPr lang="en-US" dirty="0">
+                <a:solidFill>
+                  <a:schemeClr val="tx1"/>
+                </a:solidFill>
+              </a:rPr>
+              <a:t> functions (</a:t>
+            </a:r>
+            <a:r>
+              <a:rPr lang="en-US" dirty="0" err="1">
+                <a:solidFill>
+                  <a:schemeClr val="tx1"/>
+                </a:solidFill>
+              </a:rPr>
+              <a:t>agg</a:t>
+            </a:r>
+            <a:r>
+              <a:rPr lang="en-US" dirty="0">
+                <a:solidFill>
+                  <a:schemeClr val="tx1"/>
+                </a:solidFill>
+              </a:rPr>
+              <a:t>, </a:t>
+            </a:r>
+            <a:r>
+              <a:rPr lang="en-US" dirty="0" err="1">
+                <a:solidFill>
+                  <a:schemeClr val="tx1"/>
+                </a:solidFill>
+              </a:rPr>
+              <a:t>groupby</a:t>
+            </a:r>
+            <a:r>
+              <a:rPr lang="en-US" dirty="0">
+                <a:solidFill>
+                  <a:schemeClr val="tx1"/>
+                </a:solidFill>
+              </a:rPr>
+              <a:t>) were not supported on </a:t>
+            </a:r>
+            <a:r>
+              <a:rPr lang="en-US" dirty="0" err="1">
+                <a:solidFill>
+                  <a:schemeClr val="tx1"/>
+                </a:solidFill>
+              </a:rPr>
+              <a:t>hdfs</a:t>
+            </a:r>
+            <a:r>
+              <a:rPr lang="en-US" dirty="0">
+                <a:solidFill>
+                  <a:schemeClr val="tx1"/>
+                </a:solidFill>
+              </a:rPr>
+              <a:t> on Dumbo. How to overcome that?</a:t>
+            </a:r>
+            <a:endParaRPr dirty="0">
+              <a:solidFill>
+                <a:schemeClr val="tx1"/>
+              </a:solidFill>
+            </a:endParaRPr>
           </a:p>
         </p:txBody>
       </p:sp>
@@ -5381,7 +5525,7 @@
           </a:prstGeom>
           <a:extLst>
             <a:ext uri="{C572A759-6A51-4108-AA02-DFA0A04FC94B}">
-              <ma14:wrappingTextBoxFlag xmlns="" xmlns:m="http://schemas.openxmlformats.org/officeDocument/2006/math" xmlns:a14="http://schemas.microsoft.com/office/drawing/2010/main" xmlns:ma14="http://schemas.microsoft.com/office/mac/drawingml/2011/main" val="1"/>
+              <ma14:wrappingTextBoxFlag xmlns:ma14="http://schemas.microsoft.com/office/mac/drawingml/2011/main" xmlns:a14="http://schemas.microsoft.com/office/drawing/2010/main" xmlns:m="http://schemas.openxmlformats.org/officeDocument/2006/math" xmlns="" val="1"/>
             </a:ext>
           </a:extLst>
         </p:spPr>
@@ -5521,13 +5665,18 @@
               </a:defRPr>
             </a:pPr>
             <a:r>
-              <a:rPr dirty="0">
+              <a:rPr lang="en-US" dirty="0">
                 <a:solidFill>
                   <a:schemeClr val="tx1"/>
                 </a:solidFill>
               </a:rPr>
-              <a:t>Brief wrap-up!</a:t>
-            </a:r>
+              <a:t>Our application recommends restaurants to users based on how they reviewed restaurants. We limit this functionality to the city of Las Vegas and search can be done only on a particular zip code.</a:t>
+            </a:r>
+            <a:endParaRPr dirty="0">
+              <a:solidFill>
+                <a:schemeClr val="tx1"/>
+              </a:solidFill>
+            </a:endParaRPr>
           </a:p>
           <a:p>
             <a:pPr marL="0" indent="0">
